--- a/AEM PPT 20240928.pptx
+++ b/AEM PPT 20240928.pptx
@@ -117,15 +117,6 @@
     </p:ext>
   </p:extLst>
 </p:presentation>
-</file>
-
-<file path=ppt/revisionInfo.xml><?xml version="1.0" encoding="utf-8"?>
-<p1510:revInfo xmlns:a="http://schemas.openxmlformats.org/drawingml/2006/main" xmlns:r="http://schemas.openxmlformats.org/officeDocument/2006/relationships" xmlns:p1510="http://schemas.microsoft.com/office/powerpoint/2015/10/main">
-  <p1510:revLst>
-    <p1510:client id="{85AAAE19-B357-4872-855D-94141DD04949}" v="63" dt="2024-08-03T01:14:32.998"/>
-    <p1510:client id="{D24E01E6-DCDE-46F8-9E94-96B8F7DC7E64}" v="45" dt="2024-08-02T02:41:47.357"/>
-  </p1510:revLst>
-</p1510:revInfo>
 </file>
 
 <file path=ppt/changesInfos/changesInfo1.xml><?xml version="1.0" encoding="utf-8"?>
@@ -499,6 +490,30 @@
             <ac:graphicFrameMk id="2" creationId="{8AFF9A3F-A510-2E06-A425-D42EA4241567}"/>
           </ac:graphicFrameMkLst>
         </pc:graphicFrameChg>
+      </pc:sldChg>
+    </pc:docChg>
+  </pc:docChgLst>
+  <pc:docChgLst>
+    <pc:chgData name="David Guzzi" userId="2489b4ab3e3a2fa6" providerId="LiveId" clId="{4CAC6E86-B6DD-464E-AD0A-B0C67A934C92}"/>
+    <pc:docChg chg="custSel modSld">
+      <pc:chgData name="David Guzzi" userId="2489b4ab3e3a2fa6" providerId="LiveId" clId="{4CAC6E86-B6DD-464E-AD0A-B0C67A934C92}" dt="2024-09-28T23:16:33.939" v="26" actId="27636"/>
+      <pc:docMkLst>
+        <pc:docMk/>
+      </pc:docMkLst>
+      <pc:sldChg chg="modSp mod">
+        <pc:chgData name="David Guzzi" userId="2489b4ab3e3a2fa6" providerId="LiveId" clId="{4CAC6E86-B6DD-464E-AD0A-B0C67A934C92}" dt="2024-09-28T23:16:33.939" v="26" actId="27636"/>
+        <pc:sldMkLst>
+          <pc:docMk/>
+          <pc:sldMk cId="867229291" sldId="256"/>
+        </pc:sldMkLst>
+        <pc:spChg chg="mod">
+          <ac:chgData name="David Guzzi" userId="2489b4ab3e3a2fa6" providerId="LiveId" clId="{4CAC6E86-B6DD-464E-AD0A-B0C67A934C92}" dt="2024-09-28T23:16:33.939" v="26" actId="27636"/>
+          <ac:spMkLst>
+            <pc:docMk/>
+            <pc:sldMk cId="867229291" sldId="256"/>
+            <ac:spMk id="3" creationId="{9781E321-E12A-F73C-35AE-836A42FFDF7F}"/>
+          </ac:spMkLst>
+        </pc:spChg>
       </pc:sldChg>
     </pc:docChg>
   </pc:docChgLst>
@@ -1157,7 +1172,7 @@
           <a:p>
             <a:fld id="{5F31A7F1-75F3-4CA5-9A72-4C5E4B10EFF5}" type="datetimeFigureOut">
               <a:rPr lang="es-AR" smtClean="0"/>
-              <a:t>2/8/2024</a:t>
+              <a:t>28/9/2024</a:t>
             </a:fld>
             <a:endParaRPr lang="es-AR"/>
           </a:p>
@@ -1773,7 +1788,7 @@
           <a:p>
             <a:fld id="{AFF1CAD7-3EF3-4501-AE17-82589F2953A8}" type="datetime1">
               <a:rPr lang="en-US" smtClean="0"/>
-              <a:t>8/2/2024</a:t>
+              <a:t>9/28/2024</a:t>
             </a:fld>
             <a:endParaRPr lang="en-US"/>
           </a:p>
@@ -2017,7 +2032,7 @@
           <a:p>
             <a:fld id="{1E6B9C50-49B6-44B4-8E81-4056B20A29FA}" type="datetime1">
               <a:rPr lang="en-US" smtClean="0"/>
-              <a:t>8/2/2024</a:t>
+              <a:t>9/28/2024</a:t>
             </a:fld>
             <a:endParaRPr lang="en-US"/>
           </a:p>
@@ -2228,7 +2243,7 @@
           <a:p>
             <a:fld id="{DA31512F-31F1-473C-A5BA-146197174566}" type="datetime1">
               <a:rPr lang="en-US" smtClean="0"/>
-              <a:t>8/2/2024</a:t>
+              <a:t>9/28/2024</a:t>
             </a:fld>
             <a:endParaRPr lang="en-US"/>
           </a:p>
@@ -2429,7 +2444,7 @@
           <a:p>
             <a:fld id="{89F580CD-4C6E-4428-8CB6-318AC49465E2}" type="datetime1">
               <a:rPr lang="en-US" smtClean="0"/>
-              <a:t>8/2/2024</a:t>
+              <a:t>9/28/2024</a:t>
             </a:fld>
             <a:endParaRPr lang="en-US"/>
           </a:p>
@@ -2709,7 +2724,7 @@
           <a:p>
             <a:fld id="{2C47DBA1-BE42-40AD-8252-90F5F3C450C0}" type="datetime1">
               <a:rPr lang="en-US" smtClean="0"/>
-              <a:t>8/2/2024</a:t>
+              <a:t>9/28/2024</a:t>
             </a:fld>
             <a:endParaRPr lang="en-US"/>
           </a:p>
@@ -2977,7 +2992,7 @@
           <a:p>
             <a:fld id="{70BB6778-C28D-4ECE-A051-D87A20C2BA5E}" type="datetime1">
               <a:rPr lang="en-US" smtClean="0"/>
-              <a:t>8/2/2024</a:t>
+              <a:t>9/28/2024</a:t>
             </a:fld>
             <a:endParaRPr lang="en-US"/>
           </a:p>
@@ -3396,7 +3411,7 @@
           <a:p>
             <a:fld id="{C9AA1D89-D9C1-4B4E-9634-03B89D581099}" type="datetime1">
               <a:rPr lang="en-US" smtClean="0"/>
-              <a:t>8/2/2024</a:t>
+              <a:t>9/28/2024</a:t>
             </a:fld>
             <a:endParaRPr lang="en-US"/>
           </a:p>
@@ -3549,7 +3564,7 @@
           <a:p>
             <a:fld id="{F1C22BE2-41BA-4C52-998C-12E9853EA847}" type="datetime1">
               <a:rPr lang="en-US" smtClean="0"/>
-              <a:t>8/2/2024</a:t>
+              <a:t>9/28/2024</a:t>
             </a:fld>
             <a:endParaRPr lang="en-US"/>
           </a:p>
@@ -3665,7 +3680,7 @@
           <a:p>
             <a:fld id="{83BA4855-AD58-4AF6-8881-67CC3FDDAE7E}" type="datetime1">
               <a:rPr lang="en-US" smtClean="0"/>
-              <a:t>8/2/2024</a:t>
+              <a:t>9/28/2024</a:t>
             </a:fld>
             <a:endParaRPr lang="en-US"/>
           </a:p>
@@ -3984,7 +3999,7 @@
           <a:p>
             <a:fld id="{EBBC769C-F2EB-4698-81D1-D09C59F8478C}" type="datetime1">
               <a:rPr lang="en-US" smtClean="0"/>
-              <a:t>8/2/2024</a:t>
+              <a:t>9/28/2024</a:t>
             </a:fld>
             <a:endParaRPr lang="en-US"/>
           </a:p>
@@ -4238,7 +4253,7 @@
           <a:p>
             <a:fld id="{6BD3AC4B-B4B2-4128-9DEF-207B6F1FE6A3}" type="datetime1">
               <a:rPr lang="en-US" smtClean="0"/>
-              <a:t>8/2/2024</a:t>
+              <a:t>9/28/2024</a:t>
             </a:fld>
             <a:endParaRPr lang="en-US"/>
           </a:p>
@@ -4749,7 +4764,7 @@
           <a:p>
             <a:fld id="{E100D23B-9E5B-4D17-8C6F-9B1C7BA788C7}" type="datetime1">
               <a:rPr lang="en-US" smtClean="0"/>
-              <a:t>8/2/2024</a:t>
+              <a:t>9/28/2024</a:t>
             </a:fld>
             <a:endParaRPr lang="en-US" dirty="0"/>
           </a:p>
@@ -5276,13 +5291,13 @@
         </p:spPr>
         <p:txBody>
           <a:bodyPr anchor="b">
-            <a:normAutofit fontScale="92500" lnSpcReduction="10000"/>
+            <a:normAutofit fontScale="85000" lnSpcReduction="20000"/>
           </a:bodyPr>
           <a:lstStyle/>
           <a:p>
             <a:r>
               <a:rPr lang="es-AR" b="1" dirty="0"/>
-              <a:t>Docentes: </a:t>
+              <a:t>Profesora: </a:t>
             </a:r>
           </a:p>
           <a:p>
@@ -5292,8 +5307,15 @@
             </a:pPr>
             <a:r>
               <a:rPr lang="es-AR" dirty="0"/>
-              <a:t>Clemente, Alejandra;</a:t>
+              <a:t>Clemente, Alejandra.</a:t>
             </a:r>
+          </a:p>
+          <a:p>
+            <a:r>
+              <a:rPr lang="es-AR" b="1"/>
+              <a:t>Ayudante:</a:t>
+            </a:r>
+            <a:endParaRPr lang="es-AR" dirty="0"/>
           </a:p>
           <a:p>
             <a:pPr marL="285750" indent="-285750">

--- a/AEM PPT 20240928.pptx
+++ b/AEM PPT 20240928.pptx
@@ -496,7 +496,7 @@
   <pc:docChgLst>
     <pc:chgData name="David Guzzi" userId="2489b4ab3e3a2fa6" providerId="LiveId" clId="{4CAC6E86-B6DD-464E-AD0A-B0C67A934C92}"/>
     <pc:docChg chg="custSel modSld">
-      <pc:chgData name="David Guzzi" userId="2489b4ab3e3a2fa6" providerId="LiveId" clId="{4CAC6E86-B6DD-464E-AD0A-B0C67A934C92}" dt="2024-09-28T23:16:33.939" v="26" actId="27636"/>
+      <pc:chgData name="David Guzzi" userId="2489b4ab3e3a2fa6" providerId="LiveId" clId="{4CAC6E86-B6DD-464E-AD0A-B0C67A934C92}" dt="2024-09-29T03:16:12.880" v="31" actId="790"/>
       <pc:docMkLst>
         <pc:docMk/>
       </pc:docMkLst>
@@ -512,6 +512,36 @@
             <pc:docMk/>
             <pc:sldMk cId="867229291" sldId="256"/>
             <ac:spMk id="3" creationId="{9781E321-E12A-F73C-35AE-836A42FFDF7F}"/>
+          </ac:spMkLst>
+        </pc:spChg>
+      </pc:sldChg>
+      <pc:sldChg chg="modSp mod">
+        <pc:chgData name="David Guzzi" userId="2489b4ab3e3a2fa6" providerId="LiveId" clId="{4CAC6E86-B6DD-464E-AD0A-B0C67A934C92}" dt="2024-09-29T03:11:20.762" v="30" actId="313"/>
+        <pc:sldMkLst>
+          <pc:docMk/>
+          <pc:sldMk cId="1281886352" sldId="258"/>
+        </pc:sldMkLst>
+        <pc:spChg chg="mod">
+          <ac:chgData name="David Guzzi" userId="2489b4ab3e3a2fa6" providerId="LiveId" clId="{4CAC6E86-B6DD-464E-AD0A-B0C67A934C92}" dt="2024-09-29T03:11:20.762" v="30" actId="313"/>
+          <ac:spMkLst>
+            <pc:docMk/>
+            <pc:sldMk cId="1281886352" sldId="258"/>
+            <ac:spMk id="21" creationId="{4CD3D2A6-CE6E-0C0C-C644-A18F02DF76F3}"/>
+          </ac:spMkLst>
+        </pc:spChg>
+      </pc:sldChg>
+      <pc:sldChg chg="modSp mod">
+        <pc:chgData name="David Guzzi" userId="2489b4ab3e3a2fa6" providerId="LiveId" clId="{4CAC6E86-B6DD-464E-AD0A-B0C67A934C92}" dt="2024-09-29T03:16:12.880" v="31" actId="790"/>
+        <pc:sldMkLst>
+          <pc:docMk/>
+          <pc:sldMk cId="2506785096" sldId="262"/>
+        </pc:sldMkLst>
+        <pc:spChg chg="mod">
+          <ac:chgData name="David Guzzi" userId="2489b4ab3e3a2fa6" providerId="LiveId" clId="{4CAC6E86-B6DD-464E-AD0A-B0C67A934C92}" dt="2024-09-29T03:16:12.880" v="31" actId="790"/>
+          <ac:spMkLst>
+            <pc:docMk/>
+            <pc:sldMk cId="2506785096" sldId="262"/>
+            <ac:spMk id="11" creationId="{9C40F79A-4CA4-D859-EB3D-11736C1B32CD}"/>
           </ac:spMkLst>
         </pc:spChg>
       </pc:sldChg>
@@ -8500,7 +8530,7 @@
                     </a:lstStyle>
                     <a:p>
                       <a:r>
-                        <a:rPr lang="en-US" sz="1050">
+                        <a:rPr lang="en-US" sz="1050" dirty="0">
                           <a:solidFill>
                             <a:schemeClr val="bg1"/>
                           </a:solidFill>
@@ -9673,7 +9703,25 @@
                 </a:solidFill>
                 <a:latin typeface="Walbaum Display (Cuerpo)"/>
               </a:rPr>
-              <a:t>En la gran mayoría de las variables se observa una disparidad importarte entre los </a:t>
+              <a:t>En la gran mayoría de las variables se observa una </a:t>
+            </a:r>
+            <a:r>
+              <a:rPr lang="es-ES" sz="1100" b="1" u="sng" dirty="0">
+                <a:solidFill>
+                  <a:sysClr val="windowText" lastClr="000000"/>
+                </a:solidFill>
+                <a:latin typeface="Walbaum Display (Cuerpo)"/>
+              </a:rPr>
+              <a:t>disparidad</a:t>
+            </a:r>
+            <a:r>
+              <a:rPr lang="es-ES" sz="1100" dirty="0">
+                <a:solidFill>
+                  <a:sysClr val="windowText" lastClr="000000"/>
+                </a:solidFill>
+                <a:latin typeface="Walbaum Display (Cuerpo)"/>
+              </a:rPr>
+              <a:t> importarte entre los </a:t>
             </a:r>
             <a:r>
               <a:rPr lang="es-ES" sz="1100" b="1" dirty="0">
@@ -9832,7 +9880,7 @@
               <a:t>, como el caso de </a:t>
             </a:r>
             <a:r>
-              <a:rPr lang="es-ES" sz="1100" dirty="0" err="1">
+              <a:rPr lang="es-ES" sz="1100" i="1" dirty="0" err="1">
                 <a:solidFill>
                   <a:sysClr val="windowText" lastClr="000000"/>
                 </a:solidFill>
@@ -9841,7 +9889,7 @@
               <a:t>Agricultural</a:t>
             </a:r>
             <a:r>
-              <a:rPr lang="es-ES" sz="1100" dirty="0">
+              <a:rPr lang="es-ES" sz="1100" i="1" dirty="0">
                 <a:solidFill>
                   <a:sysClr val="windowText" lastClr="000000"/>
                 </a:solidFill>
@@ -9850,7 +9898,7 @@
               <a:t> </a:t>
             </a:r>
             <a:r>
-              <a:rPr lang="es-ES" sz="1100" dirty="0" err="1">
+              <a:rPr lang="es-ES" sz="1100" i="1" dirty="0" err="1">
                 <a:solidFill>
                   <a:sysClr val="windowText" lastClr="000000"/>
                 </a:solidFill>
@@ -9859,7 +9907,7 @@
               <a:t>land</a:t>
             </a:r>
             <a:r>
-              <a:rPr lang="es-ES" sz="1100" dirty="0">
+              <a:rPr lang="es-ES" sz="1100" i="1" dirty="0">
                 <a:solidFill>
                   <a:sysClr val="windowText" lastClr="000000"/>
                 </a:solidFill>
@@ -9868,7 +9916,7 @@
               <a:t>, Arable </a:t>
             </a:r>
             <a:r>
-              <a:rPr lang="es-ES" sz="1100" dirty="0" err="1">
+              <a:rPr lang="es-ES" sz="1100" i="1" dirty="0" err="1">
                 <a:solidFill>
                   <a:sysClr val="windowText" lastClr="000000"/>
                 </a:solidFill>
@@ -9877,7 +9925,7 @@
               <a:t>land</a:t>
             </a:r>
             <a:r>
-              <a:rPr lang="es-ES" sz="1100" dirty="0">
+              <a:rPr lang="es-ES" sz="1100" i="1" dirty="0">
                 <a:solidFill>
                   <a:sysClr val="windowText" lastClr="000000"/>
                 </a:solidFill>
@@ -9886,7 +9934,7 @@
               <a:t>, y Rural </a:t>
             </a:r>
             <a:r>
-              <a:rPr lang="es-ES" sz="1100" dirty="0" err="1">
+              <a:rPr lang="es-ES" sz="1100" i="1" dirty="0" err="1">
                 <a:solidFill>
                   <a:sysClr val="windowText" lastClr="000000"/>
                 </a:solidFill>
@@ -9949,25 +9997,7 @@
                 </a:solidFill>
                 <a:latin typeface="Walbaum Display (Cuerpo)"/>
               </a:rPr>
-              <a:t>, la gran mayoría presentan distribuciones positivas sesgadas hacia la derecha al tiempo de evidenciar colas de </a:t>
-            </a:r>
-            <a:r>
-              <a:rPr lang="es-ES" sz="1100" dirty="0" err="1">
-                <a:solidFill>
-                  <a:sysClr val="windowText" lastClr="000000"/>
-                </a:solidFill>
-                <a:latin typeface="Walbaum Display (Cuerpo)"/>
-              </a:rPr>
-              <a:t>distrbicuón</a:t>
-            </a:r>
-            <a:r>
-              <a:rPr lang="es-ES" sz="1100" dirty="0">
-                <a:solidFill>
-                  <a:sysClr val="windowText" lastClr="000000"/>
-                </a:solidFill>
-                <a:latin typeface="Walbaum Display (Cuerpo)"/>
-              </a:rPr>
-              <a:t> alargadas (dados los valores extremos presentes).</a:t>
+              <a:t>, la gran mayoría presentan distribuciones positivas sesgadas hacia la derecha al tiempo de evidenciar colas de distribución alargadas (dados los valores extremos presentes).</a:t>
             </a:r>
           </a:p>
           <a:p>
@@ -19053,7 +19083,7 @@
               <a:t>AEM - </a:t>
             </a:r>
             <a:r>
-              <a:rPr lang="en-US" b="1" dirty="0" err="1">
+              <a:rPr lang="es-AR" b="1" dirty="0">
                 <a:solidFill>
                   <a:schemeClr val="bg1"/>
                 </a:solidFill>
